--- a/repo/0326.pptx
+++ b/repo/0326.pptx
@@ -265,7 +265,7 @@
           <a:p>
             <a:fld id="{3B890D2A-E9C4-427F-B715-180A613640F2}" type="datetimeFigureOut">
               <a:rPr lang="zh-CN" altLang="en-US" smtClean="0"/>
-              <a:t>2022/3/26</a:t>
+              <a:t>2022/10/12</a:t>
             </a:fld>
             <a:endParaRPr lang="zh-CN" altLang="en-US"/>
           </a:p>
@@ -463,7 +463,7 @@
           <a:p>
             <a:fld id="{3B890D2A-E9C4-427F-B715-180A613640F2}" type="datetimeFigureOut">
               <a:rPr lang="zh-CN" altLang="en-US" smtClean="0"/>
-              <a:t>2022/3/26</a:t>
+              <a:t>2022/10/12</a:t>
             </a:fld>
             <a:endParaRPr lang="zh-CN" altLang="en-US"/>
           </a:p>
@@ -671,7 +671,7 @@
           <a:p>
             <a:fld id="{3B890D2A-E9C4-427F-B715-180A613640F2}" type="datetimeFigureOut">
               <a:rPr lang="zh-CN" altLang="en-US" smtClean="0"/>
-              <a:t>2022/3/26</a:t>
+              <a:t>2022/10/12</a:t>
             </a:fld>
             <a:endParaRPr lang="zh-CN" altLang="en-US"/>
           </a:p>
@@ -869,7 +869,7 @@
           <a:p>
             <a:fld id="{3B890D2A-E9C4-427F-B715-180A613640F2}" type="datetimeFigureOut">
               <a:rPr lang="zh-CN" altLang="en-US" smtClean="0"/>
-              <a:t>2022/3/26</a:t>
+              <a:t>2022/10/12</a:t>
             </a:fld>
             <a:endParaRPr lang="zh-CN" altLang="en-US"/>
           </a:p>
@@ -1144,7 +1144,7 @@
           <a:p>
             <a:fld id="{3B890D2A-E9C4-427F-B715-180A613640F2}" type="datetimeFigureOut">
               <a:rPr lang="zh-CN" altLang="en-US" smtClean="0"/>
-              <a:t>2022/3/26</a:t>
+              <a:t>2022/10/12</a:t>
             </a:fld>
             <a:endParaRPr lang="zh-CN" altLang="en-US"/>
           </a:p>
@@ -1409,7 +1409,7 @@
           <a:p>
             <a:fld id="{3B890D2A-E9C4-427F-B715-180A613640F2}" type="datetimeFigureOut">
               <a:rPr lang="zh-CN" altLang="en-US" smtClean="0"/>
-              <a:t>2022/3/26</a:t>
+              <a:t>2022/10/12</a:t>
             </a:fld>
             <a:endParaRPr lang="zh-CN" altLang="en-US"/>
           </a:p>
@@ -1821,7 +1821,7 @@
           <a:p>
             <a:fld id="{3B890D2A-E9C4-427F-B715-180A613640F2}" type="datetimeFigureOut">
               <a:rPr lang="zh-CN" altLang="en-US" smtClean="0"/>
-              <a:t>2022/3/26</a:t>
+              <a:t>2022/10/12</a:t>
             </a:fld>
             <a:endParaRPr lang="zh-CN" altLang="en-US"/>
           </a:p>
@@ -1962,7 +1962,7 @@
           <a:p>
             <a:fld id="{3B890D2A-E9C4-427F-B715-180A613640F2}" type="datetimeFigureOut">
               <a:rPr lang="zh-CN" altLang="en-US" smtClean="0"/>
-              <a:t>2022/3/26</a:t>
+              <a:t>2022/10/12</a:t>
             </a:fld>
             <a:endParaRPr lang="zh-CN" altLang="en-US"/>
           </a:p>
@@ -2075,7 +2075,7 @@
           <a:p>
             <a:fld id="{3B890D2A-E9C4-427F-B715-180A613640F2}" type="datetimeFigureOut">
               <a:rPr lang="zh-CN" altLang="en-US" smtClean="0"/>
-              <a:t>2022/3/26</a:t>
+              <a:t>2022/10/12</a:t>
             </a:fld>
             <a:endParaRPr lang="zh-CN" altLang="en-US"/>
           </a:p>
@@ -2386,7 +2386,7 @@
           <a:p>
             <a:fld id="{3B890D2A-E9C4-427F-B715-180A613640F2}" type="datetimeFigureOut">
               <a:rPr lang="zh-CN" altLang="en-US" smtClean="0"/>
-              <a:t>2022/3/26</a:t>
+              <a:t>2022/10/12</a:t>
             </a:fld>
             <a:endParaRPr lang="zh-CN" altLang="en-US"/>
           </a:p>
@@ -2674,7 +2674,7 @@
           <a:p>
             <a:fld id="{3B890D2A-E9C4-427F-B715-180A613640F2}" type="datetimeFigureOut">
               <a:rPr lang="zh-CN" altLang="en-US" smtClean="0"/>
-              <a:t>2022/3/26</a:t>
+              <a:t>2022/10/12</a:t>
             </a:fld>
             <a:endParaRPr lang="zh-CN" altLang="en-US"/>
           </a:p>
@@ -2915,7 +2915,7 @@
           <a:p>
             <a:fld id="{3B890D2A-E9C4-427F-B715-180A613640F2}" type="datetimeFigureOut">
               <a:rPr lang="zh-CN" altLang="en-US" smtClean="0"/>
-              <a:t>2022/3/26</a:t>
+              <a:t>2022/10/12</a:t>
             </a:fld>
             <a:endParaRPr lang="zh-CN" altLang="en-US"/>
           </a:p>
@@ -3387,10 +3387,7 @@
           <a:bodyPr/>
           <a:lstStyle/>
           <a:p>
-            <a:r>
-              <a:rPr lang="zh-CN" altLang="en-US" dirty="0"/>
-              <a:t>张熙至 闭浩扬 陈嘉钰</a:t>
-            </a:r>
+            <a:endParaRPr lang="zh-CN" altLang="en-US" dirty="0"/>
           </a:p>
         </p:txBody>
       </p:sp>
